--- a/4/TTA_교육_과정_4.pptx
+++ b/4/TTA_교육_과정_4.pptx
@@ -8,7 +8,7 @@
     <p:notesMasterId r:id="rId17"/>
   </p:notesMasterIdLst>
   <p:sldIdLst>
-    <p:sldId id="256" r:id="rId2"/>
+    <p:sldId id="298" r:id="rId2"/>
     <p:sldId id="305" r:id="rId3"/>
     <p:sldId id="261" r:id="rId4"/>
     <p:sldId id="306" r:id="rId5"/>
@@ -214,7 +214,7 @@
           <a:p>
             <a:fld id="{BB636023-5D60-41FD-922E-2476211F9506}" type="datetimeFigureOut">
               <a:rPr lang="ko-KR" altLang="en-US" smtClean="0"/>
-              <a:t>2022-11-30</a:t>
+              <a:t>2022-12-02</a:t>
             </a:fld>
             <a:endParaRPr lang="ko-KR" altLang="en-US"/>
           </a:p>
@@ -278,38 +278,37 @@
           <a:p>
             <a:pPr lvl="0"/>
             <a:r>
-              <a:rPr lang="ko-KR" altLang="en-US" smtClean="0"/>
+              <a:rPr lang="ko-KR" altLang="en-US"/>
               <a:t>마스터 텍스트 스타일 편집</a:t>
             </a:r>
           </a:p>
           <a:p>
             <a:pPr lvl="1"/>
             <a:r>
-              <a:rPr lang="ko-KR" altLang="en-US" smtClean="0"/>
+              <a:rPr lang="ko-KR" altLang="en-US"/>
               <a:t>둘째 수준</a:t>
             </a:r>
           </a:p>
           <a:p>
             <a:pPr lvl="2"/>
             <a:r>
-              <a:rPr lang="ko-KR" altLang="en-US" smtClean="0"/>
+              <a:rPr lang="ko-KR" altLang="en-US"/>
               <a:t>셋째 수준</a:t>
             </a:r>
           </a:p>
           <a:p>
             <a:pPr lvl="3"/>
             <a:r>
-              <a:rPr lang="ko-KR" altLang="en-US" smtClean="0"/>
+              <a:rPr lang="ko-KR" altLang="en-US"/>
               <a:t>넷째 수준</a:t>
             </a:r>
           </a:p>
           <a:p>
             <a:pPr lvl="4"/>
             <a:r>
-              <a:rPr lang="ko-KR" altLang="en-US" smtClean="0"/>
+              <a:rPr lang="ko-KR" altLang="en-US"/>
               <a:t>다섯째 수준</a:t>
             </a:r>
-            <a:endParaRPr lang="ko-KR" altLang="en-US"/>
           </a:p>
         </p:txBody>
       </p:sp>
@@ -524,10 +523,9 @@
           </a:lstStyle>
           <a:p>
             <a:r>
-              <a:rPr lang="ko-KR" altLang="en-US" smtClean="0"/>
+              <a:rPr lang="ko-KR" altLang="en-US"/>
               <a:t>마스터 제목 스타일 편집</a:t>
             </a:r>
-            <a:endParaRPr lang="ko-KR" altLang="en-US"/>
           </a:p>
         </p:txBody>
       </p:sp>
@@ -589,10 +587,9 @@
           </a:lstStyle>
           <a:p>
             <a:r>
-              <a:rPr lang="ko-KR" altLang="en-US" smtClean="0"/>
+              <a:rPr lang="ko-KR" altLang="en-US"/>
               <a:t>클릭하여 마스터 부제목 스타일 편집</a:t>
             </a:r>
-            <a:endParaRPr lang="ko-KR" altLang="en-US"/>
           </a:p>
         </p:txBody>
       </p:sp>
@@ -613,7 +610,7 @@
           <a:p>
             <a:fld id="{1A0E0E8B-8F38-4466-9781-7E30DABD28DD}" type="datetimeFigureOut">
               <a:rPr lang="ko-KR" altLang="en-US" smtClean="0"/>
-              <a:t>2022-11-30</a:t>
+              <a:t>2022-12-02</a:t>
             </a:fld>
             <a:endParaRPr lang="ko-KR" altLang="en-US"/>
           </a:p>
@@ -678,6 +675,35 @@
           </a:p>
         </p:txBody>
       </p:sp>
+      <p:pic>
+        <p:nvPicPr>
+          <p:cNvPr id="6" name="그림 5">
+            <a:extLst>
+              <a:ext uri="{FF2B5EF4-FFF2-40B4-BE49-F238E27FC236}">
+                <a16:creationId xmlns:a16="http://schemas.microsoft.com/office/drawing/2014/main" id="{F6FF19A6-B59C-7C88-81F0-9F7C24E824EC}"/>
+              </a:ext>
+            </a:extLst>
+          </p:cNvPr>
+          <p:cNvPicPr>
+            <a:picLocks noChangeAspect="1"/>
+          </p:cNvPicPr>
+          <p:nvPr userDrawn="1"/>
+        </p:nvPicPr>
+        <p:blipFill rotWithShape="1">
+          <a:blip r:embed="rId2"/>
+          <a:srcRect t="25485"/>
+          <a:stretch/>
+        </p:blipFill>
+        <p:spPr>
+          <a:xfrm>
+            <a:off x="10994325" y="6356350"/>
+            <a:ext cx="1197675" cy="422350"/>
+          </a:xfrm>
+          <a:prstGeom prst="rect">
+            <a:avLst/>
+          </a:prstGeom>
+        </p:spPr>
+      </p:pic>
     </p:spTree>
     <p:extLst>
       <p:ext uri="{BB962C8B-B14F-4D97-AF65-F5344CB8AC3E}">
@@ -739,10 +765,9 @@
           <a:lstStyle/>
           <a:p>
             <a:r>
-              <a:rPr lang="ko-KR" altLang="en-US" smtClean="0"/>
+              <a:rPr lang="ko-KR" altLang="en-US"/>
               <a:t>마스터 제목 스타일 편집</a:t>
             </a:r>
-            <a:endParaRPr lang="ko-KR" altLang="en-US"/>
           </a:p>
         </p:txBody>
       </p:sp>
@@ -773,38 +798,37 @@
           <a:p>
             <a:pPr lvl="0"/>
             <a:r>
-              <a:rPr lang="ko-KR" altLang="en-US" smtClean="0"/>
+              <a:rPr lang="ko-KR" altLang="en-US"/>
               <a:t>마스터 텍스트 스타일 편집</a:t>
             </a:r>
           </a:p>
           <a:p>
             <a:pPr lvl="1"/>
             <a:r>
-              <a:rPr lang="ko-KR" altLang="en-US" smtClean="0"/>
+              <a:rPr lang="ko-KR" altLang="en-US"/>
               <a:t>둘째 수준</a:t>
             </a:r>
           </a:p>
           <a:p>
             <a:pPr lvl="2"/>
             <a:r>
-              <a:rPr lang="ko-KR" altLang="en-US" smtClean="0"/>
+              <a:rPr lang="ko-KR" altLang="en-US"/>
               <a:t>셋째 수준</a:t>
             </a:r>
           </a:p>
           <a:p>
             <a:pPr lvl="3"/>
             <a:r>
-              <a:rPr lang="ko-KR" altLang="en-US" smtClean="0"/>
+              <a:rPr lang="ko-KR" altLang="en-US"/>
               <a:t>넷째 수준</a:t>
             </a:r>
           </a:p>
           <a:p>
             <a:pPr lvl="4"/>
             <a:r>
-              <a:rPr lang="ko-KR" altLang="en-US" smtClean="0"/>
+              <a:rPr lang="ko-KR" altLang="en-US"/>
               <a:t>다섯째 수준</a:t>
             </a:r>
-            <a:endParaRPr lang="ko-KR" altLang="en-US"/>
           </a:p>
         </p:txBody>
       </p:sp>
@@ -843,7 +867,7 @@
           <a:p>
             <a:fld id="{1A0E0E8B-8F38-4466-9781-7E30DABD28DD}" type="datetimeFigureOut">
               <a:rPr lang="ko-KR" altLang="en-US" smtClean="0"/>
-              <a:t>2022-11-30</a:t>
+              <a:t>2022-12-02</a:t>
             </a:fld>
             <a:endParaRPr lang="ko-KR" altLang="en-US"/>
           </a:p>
@@ -920,7 +944,7 @@
           </a:lstStyle>
           <a:p>
             <a:r>
-              <a:rPr lang="ko-KR" altLang="en-US" dirty="0" err="1" smtClean="0"/>
+              <a:rPr lang="ko-KR" altLang="en-US" dirty="0" err="1"/>
               <a:t>코더스랩</a:t>
             </a:r>
             <a:endParaRPr lang="ko-KR" altLang="en-US" dirty="0"/>
@@ -1238,16 +1262,135 @@
           <a:chExt cx="0" cy="0"/>
         </a:xfrm>
       </p:grpSpPr>
-      <p:sp>
-        <p:nvSpPr>
-          <p:cNvPr id="8" name="TextBox 7"/>
+      <p:pic>
+        <p:nvPicPr>
+          <p:cNvPr id="7" name="그래픽 6">
+            <a:extLst>
+              <a:ext uri="{FF2B5EF4-FFF2-40B4-BE49-F238E27FC236}">
+                <a16:creationId xmlns:a16="http://schemas.microsoft.com/office/drawing/2014/main" id="{5C453CD3-D2FE-4E64-BF2A-70C3F6530B69}"/>
+              </a:ext>
+            </a:extLst>
+          </p:cNvPr>
+          <p:cNvPicPr>
+            <a:picLocks noChangeAspect="1"/>
+          </p:cNvPicPr>
+          <p:nvPr/>
+        </p:nvPicPr>
+        <p:blipFill>
+          <a:blip r:embed="rId2">
+            <a:extLst>
+              <a:ext uri="{96DAC541-7B7A-43D3-8B79-37D633B846F1}">
+                <asvg:svgBlip xmlns:asvg="http://schemas.microsoft.com/office/drawing/2016/SVG/main" xmlns="" r:embed="rId3"/>
+              </a:ext>
+            </a:extLst>
+          </a:blip>
+          <a:stretch>
+            <a:fillRect/>
+          </a:stretch>
+        </p:blipFill>
+        <p:spPr>
+          <a:xfrm>
+            <a:off x="0" y="0"/>
+            <a:ext cx="12192000" cy="6858000"/>
+          </a:xfrm>
+          <a:prstGeom prst="rect">
+            <a:avLst/>
+          </a:prstGeom>
+        </p:spPr>
+      </p:pic>
+      <p:sp>
+        <p:nvSpPr>
+          <p:cNvPr id="8" name="TextBox 7">
+            <a:extLst>
+              <a:ext uri="{FF2B5EF4-FFF2-40B4-BE49-F238E27FC236}">
+                <a16:creationId xmlns:a16="http://schemas.microsoft.com/office/drawing/2014/main" id="{C650E4C7-6A1D-4F04-86EB-55263309DA35}"/>
+              </a:ext>
+            </a:extLst>
+          </p:cNvPr>
           <p:cNvSpPr txBox="1"/>
           <p:nvPr/>
         </p:nvSpPr>
         <p:spPr>
           <a:xfrm>
-            <a:off x="4161717" y="1420391"/>
-            <a:ext cx="3704732" cy="677108"/>
+            <a:off x="545430" y="529390"/>
+            <a:ext cx="3829719" cy="830997"/>
+          </a:xfrm>
+          <a:prstGeom prst="rect">
+            <a:avLst/>
+          </a:prstGeom>
+          <a:noFill/>
+        </p:spPr>
+        <p:txBody>
+          <a:bodyPr wrap="square" rtlCol="0">
+            <a:spAutoFit/>
+          </a:bodyPr>
+          <a:lstStyle/>
+          <a:p>
+            <a:r>
+              <a:rPr lang="ko-KR" altLang="en-US" sz="2300" dirty="0">
+                <a:solidFill>
+                  <a:schemeClr val="bg1"/>
+                </a:solidFill>
+                <a:latin typeface="맑은 고딕" panose="020B0503020000020004" pitchFamily="50" charset="-127"/>
+                <a:ea typeface="맑은 고딕" panose="020B0503020000020004" pitchFamily="50" charset="-127"/>
+              </a:rPr>
+              <a:t>오늘의 기술을 마주하고</a:t>
+            </a:r>
+            <a:endParaRPr lang="en-US" altLang="ko-KR" sz="2300" dirty="0">
+              <a:solidFill>
+                <a:schemeClr val="bg1"/>
+              </a:solidFill>
+              <a:latin typeface="맑은 고딕" panose="020B0503020000020004" pitchFamily="50" charset="-127"/>
+              <a:ea typeface="맑은 고딕" panose="020B0503020000020004" pitchFamily="50" charset="-127"/>
+            </a:endParaRPr>
+          </a:p>
+          <a:p>
+            <a:r>
+              <a:rPr lang="ko-KR" altLang="en-US" sz="2300" dirty="0">
+                <a:solidFill>
+                  <a:schemeClr val="bg1"/>
+                </a:solidFill>
+                <a:latin typeface="맑은 고딕" panose="020B0503020000020004" pitchFamily="50" charset="-127"/>
+                <a:ea typeface="맑은 고딕" panose="020B0503020000020004" pitchFamily="50" charset="-127"/>
+              </a:rPr>
+              <a:t>내일의 경험을 만듭니다</a:t>
+            </a:r>
+            <a:r>
+              <a:rPr lang="en-US" altLang="ko-KR" sz="2300" dirty="0">
+                <a:solidFill>
+                  <a:schemeClr val="bg1"/>
+                </a:solidFill>
+                <a:latin typeface="맑은 고딕" panose="020B0503020000020004" pitchFamily="50" charset="-127"/>
+                <a:ea typeface="맑은 고딕" panose="020B0503020000020004" pitchFamily="50" charset="-127"/>
+              </a:rPr>
+              <a:t>.</a:t>
+            </a:r>
+            <a:endParaRPr lang="ko-KR" altLang="en-US" sz="2300" dirty="0">
+              <a:solidFill>
+                <a:schemeClr val="bg1"/>
+              </a:solidFill>
+              <a:latin typeface="맑은 고딕" panose="020B0503020000020004" pitchFamily="50" charset="-127"/>
+              <a:ea typeface="맑은 고딕" panose="020B0503020000020004" pitchFamily="50" charset="-127"/>
+            </a:endParaRPr>
+          </a:p>
+        </p:txBody>
+      </p:sp>
+      <p:sp>
+        <p:nvSpPr>
+          <p:cNvPr id="2" name="TextBox 1">
+            <a:extLst>
+              <a:ext uri="{FF2B5EF4-FFF2-40B4-BE49-F238E27FC236}">
+                <a16:creationId xmlns:a16="http://schemas.microsoft.com/office/drawing/2014/main" id="{0FC83B9C-A966-0846-A41F-A9EF5DCD8788}"/>
+              </a:ext>
+            </a:extLst>
+          </p:cNvPr>
+          <p:cNvSpPr txBox="1"/>
+          <p:nvPr/>
+        </p:nvSpPr>
+        <p:spPr>
+          <a:xfrm>
+            <a:off x="545430" y="2132911"/>
+            <a:ext cx="5453609" cy="1200329"/>
           </a:xfrm>
           <a:prstGeom prst="rect">
             <a:avLst/>
@@ -1261,9 +1404,12 @@
           <a:lstStyle/>
           <a:p>
             <a:r>
-              <a:rPr lang="en-US" altLang="ko-KR" sz="2400" b="1" dirty="0" smtClean="0">
-                <a:latin typeface="+mj-ea"/>
-                <a:ea typeface="+mj-ea"/>
+              <a:rPr lang="en-US" altLang="ko-KR" sz="3600" b="1" dirty="0">
+                <a:solidFill>
+                  <a:schemeClr val="bg1"/>
+                </a:solidFill>
+                <a:latin typeface="맑은 고딕" panose="020B0503020000020004" pitchFamily="50" charset="-127"/>
+                <a:ea typeface="맑은 고딕" panose="020B0503020000020004" pitchFamily="50" charset="-127"/>
               </a:rPr>
               <a:t>Low Code Development</a:t>
             </a:r>
@@ -1271,115 +1417,41 @@
           <a:p>
             <a:pPr algn="ctr"/>
             <a:r>
-              <a:rPr lang="en-US" altLang="ko-KR" sz="1400" b="1" dirty="0" smtClean="0">
-                <a:latin typeface="+mj-ea"/>
-                <a:ea typeface="+mj-ea"/>
+              <a:rPr lang="en-US" altLang="ko-KR" sz="3600" b="1" dirty="0">
+                <a:solidFill>
+                  <a:schemeClr val="bg1"/>
+                </a:solidFill>
+                <a:latin typeface="맑은 고딕" panose="020B0503020000020004" pitchFamily="50" charset="-127"/>
+                <a:ea typeface="맑은 고딕" panose="020B0503020000020004" pitchFamily="50" charset="-127"/>
               </a:rPr>
               <a:t>(</a:t>
             </a:r>
             <a:r>
-              <a:rPr lang="ko-KR" altLang="en-US" sz="1400" b="1" dirty="0" smtClean="0">
-                <a:latin typeface="+mj-ea"/>
-                <a:ea typeface="+mj-ea"/>
+              <a:rPr lang="ko-KR" altLang="en-US" sz="3600" b="1" dirty="0">
+                <a:solidFill>
+                  <a:schemeClr val="bg1"/>
+                </a:solidFill>
+                <a:latin typeface="맑은 고딕" panose="020B0503020000020004" pitchFamily="50" charset="-127"/>
+                <a:ea typeface="맑은 고딕" panose="020B0503020000020004" pitchFamily="50" charset="-127"/>
               </a:rPr>
-              <a:t>우리가 </a:t>
-            </a:r>
-            <a:r>
-              <a:rPr lang="ko-KR" altLang="en-US" sz="1400" b="1" dirty="0">
-                <a:latin typeface="+mj-ea"/>
-                <a:ea typeface="+mj-ea"/>
-              </a:rPr>
-              <a:t>일</a:t>
-            </a:r>
-            <a:r>
-              <a:rPr lang="ko-KR" altLang="en-US" sz="1400" b="1" dirty="0" smtClean="0">
-                <a:latin typeface="+mj-ea"/>
-                <a:ea typeface="+mj-ea"/>
-              </a:rPr>
-              <a:t>하는 방식</a:t>
-            </a:r>
-            <a:r>
-              <a:rPr lang="en-US" altLang="ko-KR" sz="1400" b="1" dirty="0" smtClean="0">
-                <a:latin typeface="+mj-ea"/>
-                <a:ea typeface="+mj-ea"/>
+              <a:t>우리가 일하는 방식</a:t>
+            </a:r>
+            <a:r>
+              <a:rPr lang="en-US" altLang="ko-KR" sz="3600" b="1" dirty="0">
+                <a:solidFill>
+                  <a:schemeClr val="bg1"/>
+                </a:solidFill>
+                <a:latin typeface="맑은 고딕" panose="020B0503020000020004" pitchFamily="50" charset="-127"/>
+                <a:ea typeface="맑은 고딕" panose="020B0503020000020004" pitchFamily="50" charset="-127"/>
               </a:rPr>
               <a:t>)</a:t>
             </a:r>
-            <a:endParaRPr lang="ko-KR" altLang="en-US" sz="1400" b="1" dirty="0">
-              <a:latin typeface="+mj-ea"/>
-              <a:ea typeface="+mj-ea"/>
-            </a:endParaRPr>
-          </a:p>
-        </p:txBody>
-      </p:sp>
-      <p:sp>
-        <p:nvSpPr>
-          <p:cNvPr id="10" name="TextBox 9"/>
-          <p:cNvSpPr txBox="1"/>
-          <p:nvPr/>
-        </p:nvSpPr>
-        <p:spPr>
-          <a:xfrm>
-            <a:off x="5471173" y="3653211"/>
-            <a:ext cx="989373" cy="276999"/>
-          </a:xfrm>
-          <a:prstGeom prst="rect">
-            <a:avLst/>
-          </a:prstGeom>
-          <a:noFill/>
-        </p:spPr>
-        <p:txBody>
-          <a:bodyPr wrap="none" rtlCol="0">
-            <a:spAutoFit/>
-          </a:bodyPr>
-          <a:lstStyle/>
-          <a:p>
-            <a:r>
-              <a:rPr lang="en-US" altLang="ko-KR" sz="1200" dirty="0" smtClean="0">
-                <a:latin typeface="+mj-ea"/>
-                <a:ea typeface="+mj-ea"/>
-              </a:rPr>
-              <a:t>2022-09-08</a:t>
-            </a:r>
-            <a:endParaRPr lang="ko-KR" altLang="en-US" sz="1200" dirty="0">
-              <a:latin typeface="+mj-ea"/>
-              <a:ea typeface="+mj-ea"/>
-            </a:endParaRPr>
-          </a:p>
-        </p:txBody>
-      </p:sp>
-      <p:sp>
-        <p:nvSpPr>
-          <p:cNvPr id="7" name="TextBox 6"/>
-          <p:cNvSpPr txBox="1"/>
-          <p:nvPr/>
-        </p:nvSpPr>
-        <p:spPr>
-          <a:xfrm>
-            <a:off x="5471173" y="5058239"/>
-            <a:ext cx="1569660" cy="369332"/>
-          </a:xfrm>
-          <a:prstGeom prst="rect">
-            <a:avLst/>
-          </a:prstGeom>
-          <a:noFill/>
-        </p:spPr>
-        <p:txBody>
-          <a:bodyPr wrap="none" rtlCol="0">
-            <a:spAutoFit/>
-          </a:bodyPr>
-          <a:lstStyle/>
-          <a:p>
-            <a:r>
-              <a:rPr lang="ko-KR" altLang="en-US" dirty="0" smtClean="0">
-                <a:latin typeface="+mj-ea"/>
-                <a:ea typeface="+mj-ea"/>
-              </a:rPr>
-              <a:t>스페이스뱅크</a:t>
-            </a:r>
-            <a:endParaRPr lang="ko-KR" altLang="en-US" dirty="0">
-              <a:latin typeface="+mj-ea"/>
-              <a:ea typeface="+mj-ea"/>
+            <a:endParaRPr lang="ko-KR" altLang="en-US" sz="3600" b="1" dirty="0">
+              <a:solidFill>
+                <a:schemeClr val="bg1"/>
+              </a:solidFill>
+              <a:latin typeface="맑은 고딕" panose="020B0503020000020004" pitchFamily="50" charset="-127"/>
+              <a:ea typeface="맑은 고딕" panose="020B0503020000020004" pitchFamily="50" charset="-127"/>
             </a:endParaRPr>
           </a:p>
         </p:txBody>
@@ -1387,7 +1459,7 @@
     </p:spTree>
     <p:extLst>
       <p:ext uri="{BB962C8B-B14F-4D97-AF65-F5344CB8AC3E}">
-        <p14:creationId xmlns:p14="http://schemas.microsoft.com/office/powerpoint/2010/main" val="1119114343"/>
+        <p14:creationId xmlns:p14="http://schemas.microsoft.com/office/powerpoint/2010/main" val="171915502"/>
       </p:ext>
     </p:extLst>
   </p:cSld>
@@ -1423,7 +1495,7 @@
         <p:spPr>
           <a:xfrm>
             <a:off x="118536" y="114300"/>
-            <a:ext cx="2714205" cy="369332"/>
+            <a:ext cx="2743059" cy="369332"/>
           </a:xfrm>
           <a:prstGeom prst="rect">
             <a:avLst/>
@@ -1437,18 +1509,14 @@
           <a:lstStyle/>
           <a:p>
             <a:r>
-              <a:rPr lang="ko-KR" altLang="en-US" dirty="0" smtClean="0"/>
+              <a:rPr lang="ko-KR" altLang="en-US" b="1" dirty="0"/>
               <a:t>개발 지원 도구 </a:t>
             </a:r>
             <a:r>
-              <a:rPr lang="en-US" altLang="ko-KR" dirty="0" smtClean="0"/>
-              <a:t>– </a:t>
-            </a:r>
-            <a:r>
-              <a:rPr lang="en-US" altLang="ko-KR" dirty="0" smtClean="0"/>
-              <a:t>Debug</a:t>
-            </a:r>
-            <a:endParaRPr lang="ko-KR" altLang="en-US" dirty="0"/>
+              <a:rPr lang="en-US" altLang="ko-KR" b="1" dirty="0"/>
+              <a:t>– Debug</a:t>
+            </a:r>
+            <a:endParaRPr lang="ko-KR" altLang="en-US" b="1" dirty="0"/>
           </a:p>
         </p:txBody>
       </p:sp>
@@ -1468,7 +1536,7 @@
         </p:blipFill>
         <p:spPr>
           <a:xfrm>
-            <a:off x="748117" y="1296311"/>
+            <a:off x="728662" y="1878201"/>
             <a:ext cx="10734675" cy="1152525"/>
           </a:xfrm>
           <a:prstGeom prst="rect">
@@ -1484,7 +1552,7 @@
         </p:nvSpPr>
         <p:spPr>
           <a:xfrm>
-            <a:off x="5640404" y="1531961"/>
+            <a:off x="5620949" y="2113851"/>
             <a:ext cx="1472666" cy="681223"/>
           </a:xfrm>
           <a:prstGeom prst="rect">
@@ -1530,7 +1598,7 @@
         </p:nvSpPr>
         <p:spPr>
           <a:xfrm>
-            <a:off x="5178392" y="2579571"/>
+            <a:off x="5158937" y="3161461"/>
             <a:ext cx="2818913" cy="646331"/>
           </a:xfrm>
           <a:prstGeom prst="rect">
@@ -1545,20 +1613,19 @@
           <a:lstStyle/>
           <a:p>
             <a:r>
-              <a:rPr lang="en-US" altLang="ko-KR" dirty="0" smtClean="0"/>
+              <a:rPr lang="en-US" altLang="ko-KR" dirty="0"/>
               <a:t>Server Side Script Debug</a:t>
             </a:r>
           </a:p>
           <a:p>
             <a:r>
-              <a:rPr lang="en-US" altLang="ko-KR" dirty="0" smtClean="0"/>
+              <a:rPr lang="en-US" altLang="ko-KR" dirty="0"/>
               <a:t>Error </a:t>
             </a:r>
             <a:r>
-              <a:rPr lang="ko-KR" altLang="en-US" dirty="0" smtClean="0"/>
+              <a:rPr lang="ko-KR" altLang="en-US" dirty="0"/>
               <a:t>내역 점검</a:t>
             </a:r>
-            <a:endParaRPr lang="ko-KR" altLang="en-US" dirty="0"/>
           </a:p>
         </p:txBody>
       </p:sp>
@@ -1601,7 +1668,7 @@
         <p:spPr>
           <a:xfrm>
             <a:off x="118536" y="114300"/>
-            <a:ext cx="2714205" cy="369332"/>
+            <a:ext cx="3143809" cy="369332"/>
           </a:xfrm>
           <a:prstGeom prst="rect">
             <a:avLst/>
@@ -1615,18 +1682,18 @@
           <a:lstStyle/>
           <a:p>
             <a:r>
-              <a:rPr lang="ko-KR" altLang="en-US" dirty="0" smtClean="0"/>
+              <a:rPr lang="ko-KR" altLang="en-US" b="1" dirty="0"/>
               <a:t>개발 지원 도구 </a:t>
             </a:r>
             <a:r>
-              <a:rPr lang="en-US" altLang="ko-KR" dirty="0" smtClean="0"/>
+              <a:rPr lang="en-US" altLang="ko-KR" b="1" dirty="0"/>
               <a:t>– </a:t>
             </a:r>
             <a:r>
-              <a:rPr lang="en-US" altLang="ko-KR" dirty="0" smtClean="0"/>
-              <a:t>Debug</a:t>
-            </a:r>
-            <a:endParaRPr lang="ko-KR" altLang="en-US" dirty="0"/>
+              <a:rPr lang="en-US" altLang="ko-KR" b="1" dirty="0" smtClean="0"/>
+              <a:t>Quick Edit</a:t>
+            </a:r>
+            <a:endParaRPr lang="ko-KR" altLang="en-US" b="1" dirty="0"/>
           </a:p>
         </p:txBody>
       </p:sp>
@@ -1646,7 +1713,7 @@
         </p:blipFill>
         <p:spPr>
           <a:xfrm>
-            <a:off x="748117" y="1296311"/>
+            <a:off x="938122" y="2175085"/>
             <a:ext cx="10734675" cy="1152525"/>
           </a:xfrm>
           <a:prstGeom prst="rect">
@@ -1662,7 +1729,7 @@
         </p:nvSpPr>
         <p:spPr>
           <a:xfrm>
-            <a:off x="7141946" y="1531961"/>
+            <a:off x="7331951" y="2410735"/>
             <a:ext cx="1472666" cy="681223"/>
           </a:xfrm>
           <a:prstGeom prst="rect">
@@ -1708,7 +1775,7 @@
         </p:nvSpPr>
         <p:spPr>
           <a:xfrm>
-            <a:off x="6391176" y="2598822"/>
+            <a:off x="6581181" y="3477596"/>
             <a:ext cx="3273076" cy="369332"/>
           </a:xfrm>
           <a:prstGeom prst="rect">
@@ -1723,14 +1790,13 @@
           <a:lstStyle/>
           <a:p>
             <a:r>
-              <a:rPr lang="en-US" altLang="ko-KR" dirty="0" smtClean="0"/>
+              <a:rPr lang="en-US" altLang="ko-KR" dirty="0"/>
               <a:t>UI / Region – ITEM </a:t>
             </a:r>
             <a:r>
-              <a:rPr lang="ko-KR" altLang="en-US" dirty="0" smtClean="0"/>
+              <a:rPr lang="ko-KR" altLang="en-US" dirty="0"/>
               <a:t>직접 수정</a:t>
             </a:r>
-            <a:endParaRPr lang="ko-KR" altLang="en-US" dirty="0"/>
           </a:p>
         </p:txBody>
       </p:sp>
@@ -1773,7 +1839,7 @@
         <p:spPr>
           <a:xfrm>
             <a:off x="118536" y="114300"/>
-            <a:ext cx="1643399" cy="369332"/>
+            <a:ext cx="1648785" cy="369332"/>
           </a:xfrm>
           <a:prstGeom prst="rect">
             <a:avLst/>
@@ -1787,10 +1853,10 @@
           <a:lstStyle/>
           <a:p>
             <a:r>
-              <a:rPr lang="en-US" altLang="ko-KR" dirty="0" smtClean="0"/>
-              <a:t>Oracle Apex ?</a:t>
-            </a:r>
-            <a:endParaRPr lang="ko-KR" altLang="en-US" dirty="0"/>
+              <a:rPr lang="en-US" altLang="ko-KR" b="1" dirty="0" smtClean="0"/>
+              <a:t>UI Customize</a:t>
+            </a:r>
+            <a:endParaRPr lang="ko-KR" altLang="en-US" b="1" dirty="0"/>
           </a:p>
         </p:txBody>
       </p:sp>
@@ -1810,7 +1876,7 @@
         </p:blipFill>
         <p:spPr>
           <a:xfrm>
-            <a:off x="748117" y="1296311"/>
+            <a:off x="728662" y="2376966"/>
             <a:ext cx="10734675" cy="1152525"/>
           </a:xfrm>
           <a:prstGeom prst="rect">
@@ -1826,7 +1892,7 @@
         </p:nvSpPr>
         <p:spPr>
           <a:xfrm>
-            <a:off x="8566485" y="1531961"/>
+            <a:off x="8547030" y="2612616"/>
             <a:ext cx="1472666" cy="681223"/>
           </a:xfrm>
           <a:prstGeom prst="rect">
@@ -1872,7 +1938,7 @@
         </p:nvSpPr>
         <p:spPr>
           <a:xfrm>
-            <a:off x="8027471" y="2499820"/>
+            <a:off x="8008016" y="3580475"/>
             <a:ext cx="2177199" cy="369332"/>
           </a:xfrm>
           <a:prstGeom prst="rect">
@@ -1887,15 +1953,15 @@
           <a:lstStyle/>
           <a:p>
             <a:r>
-              <a:rPr lang="en-US" altLang="ko-KR" dirty="0" smtClean="0"/>
+              <a:rPr lang="en-US" altLang="ko-KR" dirty="0"/>
               <a:t>App </a:t>
             </a:r>
             <a:r>
-              <a:rPr lang="ko-KR" altLang="en-US" dirty="0" smtClean="0"/>
+              <a:rPr lang="ko-KR" altLang="en-US" dirty="0"/>
               <a:t>전체 적용 </a:t>
             </a:r>
             <a:r>
-              <a:rPr lang="en-US" altLang="ko-KR" dirty="0" smtClean="0"/>
+              <a:rPr lang="en-US" altLang="ko-KR" dirty="0"/>
               <a:t>CSS</a:t>
             </a:r>
             <a:endParaRPr lang="ko-KR" altLang="en-US" dirty="0"/>
@@ -1955,10 +2021,9 @@
           <a:lstStyle/>
           <a:p>
             <a:r>
-              <a:rPr lang="ko-KR" altLang="en-US" dirty="0" smtClean="0"/>
+              <a:rPr lang="ko-KR" altLang="en-US" b="1" dirty="0"/>
               <a:t>배포</a:t>
             </a:r>
-            <a:endParaRPr lang="ko-KR" altLang="en-US" dirty="0"/>
           </a:p>
         </p:txBody>
       </p:sp>
@@ -1978,7 +2043,7 @@
         </p:blipFill>
         <p:spPr>
           <a:xfrm>
-            <a:off x="992250" y="1068404"/>
+            <a:off x="764867" y="1241996"/>
             <a:ext cx="9701266" cy="4596113"/>
           </a:xfrm>
           <a:prstGeom prst="rect">
@@ -2039,10 +2104,9 @@
           <a:lstStyle/>
           <a:p>
             <a:r>
-              <a:rPr lang="ko-KR" altLang="en-US" dirty="0" smtClean="0"/>
+              <a:rPr lang="ko-KR" altLang="en-US" b="1" dirty="0"/>
               <a:t>배포</a:t>
             </a:r>
-            <a:endParaRPr lang="ko-KR" altLang="en-US" dirty="0"/>
           </a:p>
         </p:txBody>
       </p:sp>
@@ -2062,7 +2126,7 @@
         </p:blipFill>
         <p:spPr>
           <a:xfrm>
-            <a:off x="764867" y="642027"/>
+            <a:off x="2094034" y="956385"/>
             <a:ext cx="6420123" cy="5327683"/>
           </a:xfrm>
           <a:prstGeom prst="rect">
@@ -2123,10 +2187,9 @@
           <a:lstStyle/>
           <a:p>
             <a:r>
-              <a:rPr lang="ko-KR" altLang="en-US" dirty="0" smtClean="0"/>
+              <a:rPr lang="ko-KR" altLang="en-US" b="1" dirty="0"/>
               <a:t>배포</a:t>
             </a:r>
-            <a:endParaRPr lang="ko-KR" altLang="en-US" dirty="0"/>
           </a:p>
         </p:txBody>
       </p:sp>
@@ -2146,7 +2209,7 @@
         </p:blipFill>
         <p:spPr>
           <a:xfrm>
-            <a:off x="764867" y="879693"/>
+            <a:off x="2308659" y="891568"/>
             <a:ext cx="7144864" cy="5493646"/>
           </a:xfrm>
           <a:prstGeom prst="rect">
@@ -2193,7 +2256,7 @@
         <p:spPr>
           <a:xfrm>
             <a:off x="118536" y="114300"/>
-            <a:ext cx="1020344" cy="369332"/>
+            <a:ext cx="1084143" cy="369332"/>
           </a:xfrm>
           <a:prstGeom prst="rect">
             <a:avLst/>
@@ -2207,10 +2270,10 @@
           <a:lstStyle/>
           <a:p>
             <a:r>
-              <a:rPr lang="en-US" altLang="ko-KR" dirty="0" smtClean="0"/>
+              <a:rPr lang="en-US" altLang="ko-KR" b="1" dirty="0"/>
               <a:t>RESTAPI</a:t>
             </a:r>
-            <a:endParaRPr lang="ko-KR" altLang="en-US" dirty="0"/>
+            <a:endParaRPr lang="ko-KR" altLang="en-US" b="1" dirty="0"/>
           </a:p>
         </p:txBody>
       </p:sp>
@@ -2372,10 +2435,10 @@
           <a:p>
             <a:pPr algn="ctr"/>
             <a:r>
-              <a:rPr lang="en-US" altLang="ko-KR" dirty="0" err="1" smtClean="0"/>
+              <a:rPr lang="en-US" altLang="ko-KR" dirty="0" err="1"/>
               <a:t>RestFul</a:t>
             </a:r>
-            <a:endParaRPr lang="en-US" altLang="ko-KR" dirty="0" smtClean="0"/>
+            <a:endParaRPr lang="en-US" altLang="ko-KR" dirty="0"/>
           </a:p>
           <a:p>
             <a:pPr algn="ctr"/>
@@ -2384,21 +2447,21 @@
           <a:p>
             <a:pPr algn="ctr"/>
             <a:r>
-              <a:rPr lang="en-US" altLang="ko-KR" dirty="0" smtClean="0"/>
+              <a:rPr lang="en-US" altLang="ko-KR" dirty="0"/>
               <a:t>Uri</a:t>
             </a:r>
           </a:p>
           <a:p>
             <a:pPr algn="ctr"/>
             <a:r>
-              <a:rPr lang="en-US" altLang="ko-KR" dirty="0" smtClean="0"/>
+              <a:rPr lang="en-US" altLang="ko-KR" dirty="0"/>
               <a:t>Method</a:t>
             </a:r>
           </a:p>
           <a:p>
             <a:pPr algn="ctr"/>
             <a:r>
-              <a:rPr lang="en-US" altLang="ko-KR" dirty="0" smtClean="0"/>
+              <a:rPr lang="en-US" altLang="ko-KR" dirty="0"/>
               <a:t>Message</a:t>
             </a:r>
           </a:p>
@@ -2409,7 +2472,7 @@
           <a:p>
             <a:pPr algn="ctr"/>
             <a:r>
-              <a:rPr lang="en-US" altLang="ko-KR" dirty="0" smtClean="0"/>
+              <a:rPr lang="en-US" altLang="ko-KR" dirty="0"/>
               <a:t>Swagger Spec</a:t>
             </a:r>
             <a:endParaRPr lang="ko-KR" altLang="en-US" dirty="0"/>
@@ -2517,7 +2580,7 @@
         <p:spPr>
           <a:xfrm>
             <a:off x="118536" y="114300"/>
-            <a:ext cx="1020344" cy="369332"/>
+            <a:ext cx="1084143" cy="369332"/>
           </a:xfrm>
           <a:prstGeom prst="rect">
             <a:avLst/>
@@ -2531,10 +2594,10 @@
           <a:lstStyle/>
           <a:p>
             <a:r>
-              <a:rPr lang="en-US" altLang="ko-KR" dirty="0" smtClean="0"/>
+              <a:rPr lang="en-US" altLang="ko-KR" b="1" dirty="0"/>
               <a:t>RESTAPI</a:t>
             </a:r>
-            <a:endParaRPr lang="ko-KR" altLang="en-US" dirty="0"/>
+            <a:endParaRPr lang="ko-KR" altLang="en-US" b="1" dirty="0"/>
           </a:p>
         </p:txBody>
       </p:sp>
@@ -2591,10 +2654,10 @@
           <a:lstStyle/>
           <a:p>
             <a:r>
-              <a:rPr lang="ko-KR" altLang="en-US" dirty="0" err="1" smtClean="0"/>
+              <a:rPr lang="ko-KR" altLang="en-US" b="1" dirty="0" err="1"/>
               <a:t>외부연동</a:t>
             </a:r>
-            <a:endParaRPr lang="ko-KR" altLang="en-US" dirty="0"/>
+            <a:endParaRPr lang="ko-KR" altLang="en-US" b="1" dirty="0"/>
           </a:p>
         </p:txBody>
       </p:sp>
@@ -2721,10 +2784,9 @@
           <a:lstStyle/>
           <a:p>
             <a:r>
-              <a:rPr lang="ko-KR" altLang="en-US" dirty="0" smtClean="0"/>
+              <a:rPr lang="ko-KR" altLang="en-US" b="1" dirty="0"/>
               <a:t>외부 연동 방안</a:t>
             </a:r>
-            <a:endParaRPr lang="ko-KR" altLang="en-US" dirty="0"/>
           </a:p>
         </p:txBody>
       </p:sp>
@@ -2775,7 +2837,7 @@
           <a:lstStyle/>
           <a:p>
             <a:r>
-              <a:rPr lang="en-US" altLang="ko-KR" dirty="0" smtClean="0"/>
+              <a:rPr lang="en-US" altLang="ko-KR" dirty="0"/>
               <a:t>Shared Components &gt;&gt; REST Data Sources</a:t>
             </a:r>
             <a:endParaRPr lang="ko-KR" altLang="en-US" dirty="0"/>
@@ -2850,7 +2912,7 @@
         <p:spPr>
           <a:xfrm>
             <a:off x="118536" y="114300"/>
-            <a:ext cx="683713" cy="369332"/>
+            <a:ext cx="717312" cy="369332"/>
           </a:xfrm>
           <a:prstGeom prst="rect">
             <a:avLst/>
@@ -2864,10 +2926,10 @@
           <a:lstStyle/>
           <a:p>
             <a:r>
-              <a:rPr lang="en-US" altLang="ko-KR" dirty="0" smtClean="0"/>
+              <a:rPr lang="en-US" altLang="ko-KR" b="1" dirty="0"/>
               <a:t>PWA</a:t>
             </a:r>
-            <a:endParaRPr lang="ko-KR" altLang="en-US" dirty="0"/>
+            <a:endParaRPr lang="ko-KR" altLang="en-US" b="1" dirty="0"/>
           </a:p>
         </p:txBody>
       </p:sp>
@@ -2980,7 +3042,7 @@
         <p:spPr>
           <a:xfrm>
             <a:off x="118536" y="114300"/>
-            <a:ext cx="683713" cy="369332"/>
+            <a:ext cx="717312" cy="369332"/>
           </a:xfrm>
           <a:prstGeom prst="rect">
             <a:avLst/>
@@ -2994,10 +3056,10 @@
           <a:lstStyle/>
           <a:p>
             <a:r>
-              <a:rPr lang="en-US" altLang="ko-KR" dirty="0" smtClean="0"/>
+              <a:rPr lang="en-US" altLang="ko-KR" b="1" dirty="0"/>
               <a:t>PWA</a:t>
             </a:r>
-            <a:endParaRPr lang="ko-KR" altLang="en-US" dirty="0"/>
+            <a:endParaRPr lang="ko-KR" altLang="en-US" b="1" dirty="0"/>
           </a:p>
         </p:txBody>
       </p:sp>
@@ -3110,7 +3172,7 @@
         <p:spPr>
           <a:xfrm>
             <a:off x="118536" y="114300"/>
-            <a:ext cx="1513556" cy="369332"/>
+            <a:ext cx="1550424" cy="369332"/>
           </a:xfrm>
           <a:prstGeom prst="rect">
             <a:avLst/>
@@ -3124,14 +3186,13 @@
           <a:lstStyle/>
           <a:p>
             <a:r>
-              <a:rPr lang="en-US" altLang="ko-KR" dirty="0"/>
+              <a:rPr lang="en-US" altLang="ko-KR" b="1" dirty="0"/>
               <a:t>Email </a:t>
             </a:r>
             <a:r>
-              <a:rPr lang="ko-KR" altLang="en-US" dirty="0"/>
+              <a:rPr lang="ko-KR" altLang="en-US" b="1" dirty="0"/>
               <a:t>보내기</a:t>
             </a:r>
-            <a:endParaRPr lang="ko-KR" altLang="en-US" dirty="0"/>
           </a:p>
         </p:txBody>
       </p:sp>
@@ -3198,7 +3259,7 @@
         <p:spPr>
           <a:xfrm>
             <a:off x="118536" y="114300"/>
-            <a:ext cx="2714205" cy="369332"/>
+            <a:ext cx="2834430" cy="369332"/>
           </a:xfrm>
           <a:prstGeom prst="rect">
             <a:avLst/>
@@ -3212,18 +3273,18 @@
           <a:lstStyle/>
           <a:p>
             <a:r>
-              <a:rPr lang="ko-KR" altLang="en-US" dirty="0" smtClean="0"/>
+              <a:rPr lang="ko-KR" altLang="en-US" b="1" dirty="0"/>
               <a:t>개발 지원 도구 </a:t>
             </a:r>
             <a:r>
-              <a:rPr lang="en-US" altLang="ko-KR" dirty="0" smtClean="0"/>
+              <a:rPr lang="en-US" altLang="ko-KR" b="1" dirty="0"/>
               <a:t>– </a:t>
             </a:r>
             <a:r>
-              <a:rPr lang="en-US" altLang="ko-KR" dirty="0" smtClean="0"/>
-              <a:t>Debug</a:t>
-            </a:r>
-            <a:endParaRPr lang="ko-KR" altLang="en-US" dirty="0"/>
+              <a:rPr lang="en-US" altLang="ko-KR" b="1" dirty="0" smtClean="0"/>
+              <a:t>Session</a:t>
+            </a:r>
+            <a:endParaRPr lang="ko-KR" altLang="en-US" b="1" dirty="0"/>
           </a:p>
         </p:txBody>
       </p:sp>
@@ -3320,13 +3381,13 @@
           <a:lstStyle/>
           <a:p>
             <a:r>
-              <a:rPr lang="en-US" altLang="ko-KR" dirty="0" smtClean="0"/>
+              <a:rPr lang="en-US" altLang="ko-KR" dirty="0"/>
               <a:t>Page Hidden Value</a:t>
             </a:r>
           </a:p>
           <a:p>
             <a:r>
-              <a:rPr lang="en-US" altLang="ko-KR" dirty="0" smtClean="0"/>
+              <a:rPr lang="en-US" altLang="ko-KR" dirty="0"/>
               <a:t>Global ITEM Value</a:t>
             </a:r>
             <a:endParaRPr lang="ko-KR" altLang="en-US" dirty="0"/>
